--- a/Presentation/03_Databases.pptx
+++ b/Presentation/03_Databases.pptx
@@ -157,6 +157,9 @@
         </p14:section>
       </p14:sectionLst>
     </p:ext>
+    <p:ext uri="{EFAFB233-063F-42B5-8137-9DF3F51BA10A}">
+      <p15:sldGuideLst xmlns:p15="http://schemas.microsoft.com/office/powerpoint/2012/main"/>
+    </p:ext>
   </p:extLst>
 </p:presentation>
 </file>
@@ -243,7 +246,7 @@
           <a:p>
             <a:fld id="{5F7D43E4-5541-4D5E-BC23-47CCFC8B0B98}" type="datetimeFigureOut">
               <a:rPr lang="en-US" smtClean="0"/>
-              <a:t>9/14/2015</a:t>
+              <a:t>9/15/2015</a:t>
             </a:fld>
             <a:endParaRPr lang="en-US"/>
           </a:p>
@@ -936,7 +939,7 @@
           <a:p>
             <a:fld id="{C4BB419B-9F6E-484D-84A6-D85E4F35F3CC}" type="datetimeFigureOut">
               <a:rPr lang="en-US" smtClean="0"/>
-              <a:t>9/14/2015</a:t>
+              <a:t>9/15/2015</a:t>
             </a:fld>
             <a:endParaRPr lang="en-US"/>
           </a:p>
@@ -1113,7 +1116,7 @@
           <a:p>
             <a:fld id="{C4BB419B-9F6E-484D-84A6-D85E4F35F3CC}" type="datetimeFigureOut">
               <a:rPr lang="en-US" smtClean="0"/>
-              <a:t>9/14/2015</a:t>
+              <a:t>9/15/2015</a:t>
             </a:fld>
             <a:endParaRPr lang="en-US"/>
           </a:p>
@@ -1300,7 +1303,7 @@
           <a:p>
             <a:fld id="{C4BB419B-9F6E-484D-84A6-D85E4F35F3CC}" type="datetimeFigureOut">
               <a:rPr lang="en-US" smtClean="0"/>
-              <a:t>9/14/2015</a:t>
+              <a:t>9/15/2015</a:t>
             </a:fld>
             <a:endParaRPr lang="en-US"/>
           </a:p>
@@ -1451,7 +1454,7 @@
           <a:p>
             <a:fld id="{C4BB419B-9F6E-484D-84A6-D85E4F35F3CC}" type="datetimeFigureOut">
               <a:rPr lang="en-US" smtClean="0"/>
-              <a:t>9/14/2015</a:t>
+              <a:t>9/15/2015</a:t>
             </a:fld>
             <a:endParaRPr lang="en-US"/>
           </a:p>
@@ -1578,7 +1581,7 @@
           <a:p>
             <a:fld id="{C4BB419B-9F6E-484D-84A6-D85E4F35F3CC}" type="datetimeFigureOut">
               <a:rPr lang="en-US" smtClean="0"/>
-              <a:t>9/14/2015</a:t>
+              <a:t>9/15/2015</a:t>
             </a:fld>
             <a:endParaRPr lang="en-US"/>
           </a:p>
@@ -1748,7 +1751,7 @@
           <a:p>
             <a:fld id="{C4BB419B-9F6E-484D-84A6-D85E4F35F3CC}" type="datetimeFigureOut">
               <a:rPr lang="en-US" smtClean="0"/>
-              <a:t>9/14/2015</a:t>
+              <a:t>9/15/2015</a:t>
             </a:fld>
             <a:endParaRPr lang="en-US"/>
           </a:p>
@@ -2001,7 +2004,7 @@
           <a:p>
             <a:fld id="{C4BB419B-9F6E-484D-84A6-D85E4F35F3CC}" type="datetimeFigureOut">
               <a:rPr lang="en-US" smtClean="0"/>
-              <a:t>9/14/2015</a:t>
+              <a:t>9/15/2015</a:t>
             </a:fld>
             <a:endParaRPr lang="en-US"/>
           </a:p>
@@ -2240,7 +2243,7 @@
           <a:p>
             <a:fld id="{C4BB419B-9F6E-484D-84A6-D85E4F35F3CC}" type="datetimeFigureOut">
               <a:rPr lang="en-US" smtClean="0"/>
-              <a:t>9/14/2015</a:t>
+              <a:t>9/15/2015</a:t>
             </a:fld>
             <a:endParaRPr lang="en-US"/>
           </a:p>
@@ -2614,7 +2617,7 @@
           <a:p>
             <a:fld id="{C4BB419B-9F6E-484D-84A6-D85E4F35F3CC}" type="datetimeFigureOut">
               <a:rPr lang="en-US" smtClean="0"/>
-              <a:t>9/14/2015</a:t>
+              <a:t>9/15/2015</a:t>
             </a:fld>
             <a:endParaRPr lang="en-US"/>
           </a:p>
@@ -2739,7 +2742,7 @@
           <a:p>
             <a:fld id="{C4BB419B-9F6E-484D-84A6-D85E4F35F3CC}" type="datetimeFigureOut">
               <a:rPr lang="en-US" smtClean="0"/>
-              <a:t>9/14/2015</a:t>
+              <a:t>9/15/2015</a:t>
             </a:fld>
             <a:endParaRPr lang="en-US"/>
           </a:p>
@@ -2841,7 +2844,7 @@
           <a:p>
             <a:fld id="{C4BB419B-9F6E-484D-84A6-D85E4F35F3CC}" type="datetimeFigureOut">
               <a:rPr lang="en-US" smtClean="0"/>
-              <a:t>9/14/2015</a:t>
+              <a:t>9/15/2015</a:t>
             </a:fld>
             <a:endParaRPr lang="en-US"/>
           </a:p>
@@ -3125,7 +3128,7 @@
           <a:p>
             <a:fld id="{C4BB419B-9F6E-484D-84A6-D85E4F35F3CC}" type="datetimeFigureOut">
               <a:rPr lang="en-US" smtClean="0"/>
-              <a:t>9/14/2015</a:t>
+              <a:t>9/15/2015</a:t>
             </a:fld>
             <a:endParaRPr lang="en-US"/>
           </a:p>
@@ -3382,7 +3385,7 @@
           <a:p>
             <a:fld id="{C4BB419B-9F6E-484D-84A6-D85E4F35F3CC}" type="datetimeFigureOut">
               <a:rPr lang="en-US" smtClean="0"/>
-              <a:t>9/14/2015</a:t>
+              <a:t>9/15/2015</a:t>
             </a:fld>
             <a:endParaRPr lang="en-US"/>
           </a:p>
@@ -3595,7 +3598,7 @@
           <a:p>
             <a:fld id="{C4BB419B-9F6E-484D-84A6-D85E4F35F3CC}" type="datetimeFigureOut">
               <a:rPr lang="en-US" smtClean="0"/>
-              <a:t>9/14/2015</a:t>
+              <a:t>9/15/2015</a:t>
             </a:fld>
             <a:endParaRPr lang="en-US"/>
           </a:p>
@@ -4128,7 +4131,7 @@
           <a:noFill/>
           <a:extLst>
             <a:ext uri="{909E8E84-426E-40dd-AFC4-6F175D3DCCD1}">
-              <a14:hiddenFill xmlns:a14="http://schemas.microsoft.com/office/drawing/2010/main" xmlns="">
+              <a14:hiddenFill xmlns="" xmlns:a14="http://schemas.microsoft.com/office/drawing/2010/main">
                 <a:solidFill>
                   <a:srgbClr val="FFFFFF"/>
                 </a:solidFill>
@@ -4312,7 +4315,7 @@
 </file>
 
 <file path=ppt/slides/slide12.xml><?xml version="1.0" encoding="utf-8"?>
-<p:sld xmlns:a="http://schemas.openxmlformats.org/drawingml/2006/main" xmlns:r="http://schemas.openxmlformats.org/officeDocument/2006/relationships" xmlns:p="http://schemas.openxmlformats.org/presentationml/2006/main">
+<p:sld xmlns:a="http://schemas.openxmlformats.org/drawingml/2006/main" xmlns:r="http://schemas.openxmlformats.org/officeDocument/2006/relationships" xmlns:p="http://schemas.openxmlformats.org/presentationml/2006/main" show="0">
   <p:cSld>
     <p:spTree>
       <p:nvGrpSpPr>
@@ -4388,6 +4391,14 @@
   <p:clrMapOvr>
     <a:masterClrMapping/>
   </p:clrMapOvr>
+  <mc:AlternateContent xmlns:mc="http://schemas.openxmlformats.org/markup-compatibility/2006">
+    <mc:Choice xmlns:p14="http://schemas.microsoft.com/office/powerpoint/2010/main" Requires="p14">
+      <p:transition spd="slow" p14:dur="2000"/>
+    </mc:Choice>
+    <mc:Fallback>
+      <p:transition spd="slow"/>
+    </mc:Fallback>
+  </mc:AlternateContent>
 </p:sld>
 </file>
 
@@ -5081,7 +5092,6 @@
               <a:rPr lang="en-US" dirty="0"/>
               <a:t>03 | Express and Databases</a:t>
             </a:r>
-            <a:endParaRPr lang="en-US" dirty="0"/>
           </a:p>
         </p:txBody>
       </p:sp>
@@ -5487,11 +5497,11 @@
   <p:clrMapOvr>
     <a:masterClrMapping/>
   </p:clrMapOvr>
-  <mc:AlternateContent xmlns:mc="http://schemas.openxmlformats.org/markup-compatibility/2006">
-    <mc:Choice xmlns:p14="http://schemas.microsoft.com/office/powerpoint/2010/main" Requires="p14">
+  <mc:AlternateContent xmlns:mc="http://schemas.openxmlformats.org/markup-compatibility/2006" xmlns:p14="http://schemas.microsoft.com/office/powerpoint/2010/main">
+    <mc:Choice Requires="p14">
       <p:transition spd="slow" p14:dur="2000"/>
     </mc:Choice>
-    <mc:Fallback>
+    <mc:Fallback xmlns="">
       <p:transition spd="slow"/>
     </mc:Fallback>
   </mc:AlternateContent>
@@ -5656,11 +5666,11 @@
   <p:clrMapOvr>
     <a:masterClrMapping/>
   </p:clrMapOvr>
-  <mc:AlternateContent xmlns:mc="http://schemas.openxmlformats.org/markup-compatibility/2006">
-    <mc:Choice xmlns:p14="http://schemas.microsoft.com/office/powerpoint/2010/main" Requires="p14">
+  <mc:AlternateContent xmlns:mc="http://schemas.openxmlformats.org/markup-compatibility/2006" xmlns:p14="http://schemas.microsoft.com/office/powerpoint/2010/main">
+    <mc:Choice Requires="p14">
       <p:transition spd="slow" p14:dur="2000"/>
     </mc:Choice>
-    <mc:Fallback>
+    <mc:Fallback xmlns="">
       <p:transition spd="slow"/>
     </mc:Fallback>
   </mc:AlternateContent>
